--- a/York Code Dojo - Interview Questions.pptx
+++ b/York Code Dojo - Interview Questions.pptx
@@ -5,7 +5,7 @@
     <p:sldMasterId id="2147483648" r:id="rId1"/>
   </p:sldMasterIdLst>
   <p:notesMasterIdLst>
-    <p:notesMasterId r:id="rId8"/>
+    <p:notesMasterId r:id="rId9"/>
   </p:notesMasterIdLst>
   <p:sldIdLst>
     <p:sldId id="256" r:id="rId2"/>
@@ -13,7 +13,8 @@
     <p:sldId id="263" r:id="rId4"/>
     <p:sldId id="264" r:id="rId5"/>
     <p:sldId id="265" r:id="rId6"/>
-    <p:sldId id="262" r:id="rId7"/>
+    <p:sldId id="266" r:id="rId7"/>
+    <p:sldId id="262" r:id="rId8"/>
   </p:sldIdLst>
   <p:sldSz cx="12192000" cy="6858000"/>
   <p:notesSz cx="6742113" cy="9872663"/>
@@ -684,6 +685,27 @@
           <a:p>
             <a:r>
               <a:rPr lang="en-GB" dirty="0"/>
+              <a:t>Aim for tonight isn’t to get a job,  but to learn something news.</a:t>
+            </a:r>
+          </a:p>
+          <a:p>
+            <a:endParaRPr lang="en-GB" dirty="0"/>
+          </a:p>
+          <a:p>
+            <a:endParaRPr lang="en-GB" dirty="0"/>
+          </a:p>
+          <a:p>
+            <a:endParaRPr lang="en-GB" dirty="0"/>
+          </a:p>
+          <a:p>
+            <a:endParaRPr lang="en-GB" dirty="0"/>
+          </a:p>
+          <a:p>
+            <a:endParaRPr lang="en-GB" dirty="0"/>
+          </a:p>
+          <a:p>
+            <a:r>
+              <a:rPr lang="en-GB" dirty="0"/>
               <a:t>Who has been to a code dojo before?</a:t>
             </a:r>
           </a:p>
@@ -874,6 +896,30 @@
               <a:t>These are some classic ones from the internet,  and a few I’ve made up!</a:t>
             </a:r>
           </a:p>
+          <a:p>
+            <a:endParaRPr lang="en-GB" dirty="0"/>
+          </a:p>
+          <a:p>
+            <a:r>
+              <a:rPr lang="en-GB" dirty="0"/>
+              <a:t>How many of you are students?</a:t>
+            </a:r>
+          </a:p>
+          <a:p>
+            <a:endParaRPr lang="en-GB" dirty="0"/>
+          </a:p>
+          <a:p>
+            <a:r>
+              <a:rPr lang="en-GB" dirty="0"/>
+              <a:t>Who has applied for job recently?</a:t>
+            </a:r>
+          </a:p>
+          <a:p>
+            <a:endParaRPr lang="en-GB" dirty="0"/>
+          </a:p>
+          <a:p>
+            <a:endParaRPr lang="en-GB" dirty="0"/>
+          </a:p>
         </p:txBody>
       </p:sp>
       <p:sp>
@@ -976,12 +1022,20 @@
           <a:p>
             <a:r>
               <a:rPr lang="en-GB" dirty="0"/>
-              <a:t>And then we will pair up the groups to interview </a:t>
-            </a:r>
-            <a:r>
-              <a:rPr lang="en-GB"/>
-              <a:t>one another.</a:t>
-            </a:r>
+              <a:t>And then we will pair up the groups to interview one another.</a:t>
+            </a:r>
+          </a:p>
+          <a:p>
+            <a:endParaRPr lang="en-GB" dirty="0"/>
+          </a:p>
+          <a:p>
+            <a:r>
+              <a:rPr lang="en-GB" dirty="0"/>
+              <a:t>Printouts plus on git.</a:t>
+            </a:r>
+          </a:p>
+          <a:p>
+            <a:endParaRPr lang="en-GB" dirty="0"/>
           </a:p>
           <a:p>
             <a:endParaRPr lang="en-GB" dirty="0"/>
@@ -1089,7 +1143,7 @@
           <a:p>
             <a:fld id="{59855E35-2792-42B5-AA9B-1CC1651621A6}" type="slidenum">
               <a:rPr lang="en-GB" smtClean="0"/>
-              <a:t>6</a:t>
+              <a:t>7</a:t>
             </a:fld>
             <a:endParaRPr lang="en-GB"/>
           </a:p>
@@ -4722,6 +4776,131 @@
       </p:grpSpPr>
       <p:sp>
         <p:nvSpPr>
+          <p:cNvPr id="2" name="Title 1">
+            <a:extLst>
+              <a:ext uri="{FF2B5EF4-FFF2-40B4-BE49-F238E27FC236}">
+                <a16:creationId xmlns:a16="http://schemas.microsoft.com/office/drawing/2014/main" id="{7FBC05B9-28A3-44FA-B9CB-8E236788F50E}"/>
+              </a:ext>
+            </a:extLst>
+          </p:cNvPr>
+          <p:cNvSpPr>
+            <a:spLocks noGrp="1"/>
+          </p:cNvSpPr>
+          <p:nvPr>
+            <p:ph type="title"/>
+          </p:nvPr>
+        </p:nvSpPr>
+        <p:spPr>
+          <a:xfrm>
+            <a:off x="2366682" y="365125"/>
+            <a:ext cx="8987118" cy="1325563"/>
+          </a:xfrm>
+        </p:spPr>
+        <p:txBody>
+          <a:bodyPr/>
+          <a:lstStyle/>
+          <a:p>
+            <a:r>
+              <a:rPr lang="en-GB" dirty="0"/>
+              <a:t>Useful Things</a:t>
+            </a:r>
+          </a:p>
+        </p:txBody>
+      </p:sp>
+      <p:sp>
+        <p:nvSpPr>
+          <p:cNvPr id="3" name="Content Placeholder 2">
+            <a:extLst>
+              <a:ext uri="{FF2B5EF4-FFF2-40B4-BE49-F238E27FC236}">
+                <a16:creationId xmlns:a16="http://schemas.microsoft.com/office/drawing/2014/main" id="{EC6A1E36-089F-4619-8D7A-E2E3469323E2}"/>
+              </a:ext>
+            </a:extLst>
+          </p:cNvPr>
+          <p:cNvSpPr>
+            <a:spLocks noGrp="1"/>
+          </p:cNvSpPr>
+          <p:nvPr>
+            <p:ph idx="1"/>
+          </p:nvPr>
+        </p:nvSpPr>
+        <p:spPr>
+          <a:xfrm>
+            <a:off x="2133600" y="1825625"/>
+            <a:ext cx="9220200" cy="4351338"/>
+          </a:xfrm>
+        </p:spPr>
+        <p:txBody>
+          <a:bodyPr/>
+          <a:lstStyle/>
+          <a:p>
+            <a:r>
+              <a:rPr lang="en-GB" dirty="0"/>
+              <a:t>Wi-fi Password</a:t>
+            </a:r>
+          </a:p>
+          <a:p>
+            <a:pPr lvl="1"/>
+            <a:r>
+              <a:rPr lang="en-GB" dirty="0"/>
+              <a:t>YSJ Guest</a:t>
+            </a:r>
+          </a:p>
+          <a:p>
+            <a:pPr lvl="1"/>
+            <a:r>
+              <a:rPr lang="en-GB" dirty="0"/>
+              <a:t>Agencycord11</a:t>
+            </a:r>
+          </a:p>
+          <a:p>
+            <a:endParaRPr lang="en-GB" dirty="0"/>
+          </a:p>
+          <a:p>
+            <a:r>
+              <a:rPr lang="en-GB" dirty="0"/>
+              <a:t>Git Hub Address</a:t>
+            </a:r>
+          </a:p>
+          <a:p>
+            <a:r>
+              <a:rPr lang="en-GB" dirty="0"/>
+              <a:t>https://github.com/YorkCodeDojo/InterviewQuestions</a:t>
+            </a:r>
+          </a:p>
+        </p:txBody>
+      </p:sp>
+    </p:spTree>
+    <p:extLst>
+      <p:ext uri="{BB962C8B-B14F-4D97-AF65-F5344CB8AC3E}">
+        <p14:creationId xmlns:p14="http://schemas.microsoft.com/office/powerpoint/2010/main" val="642695413"/>
+      </p:ext>
+    </p:extLst>
+  </p:cSld>
+  <p:clrMapOvr>
+    <a:masterClrMapping/>
+  </p:clrMapOvr>
+</p:sld>
+</file>
+
+<file path=ppt/slides/slide7.xml><?xml version="1.0" encoding="utf-8"?>
+<p:sld xmlns:a="http://schemas.openxmlformats.org/drawingml/2006/main" xmlns:r="http://schemas.openxmlformats.org/officeDocument/2006/relationships" xmlns:p="http://schemas.openxmlformats.org/presentationml/2006/main">
+  <p:cSld>
+    <p:spTree>
+      <p:nvGrpSpPr>
+        <p:cNvPr id="1" name=""/>
+        <p:cNvGrpSpPr/>
+        <p:nvPr/>
+      </p:nvGrpSpPr>
+      <p:grpSpPr>
+        <a:xfrm>
+          <a:off x="0" y="0"/>
+          <a:ext cx="0" cy="0"/>
+          <a:chOff x="0" y="0"/>
+          <a:chExt cx="0" cy="0"/>
+        </a:xfrm>
+      </p:grpSpPr>
+      <p:sp>
+        <p:nvSpPr>
           <p:cNvPr id="2" name="Title 1"/>
           <p:cNvSpPr>
             <a:spLocks noGrp="1"/>
@@ -4769,7 +4948,15 @@
           <a:p>
             <a:r>
               <a:rPr lang="en-GB" dirty="0"/>
-              <a:t>Games Developers  (Last Thursday of the month)</a:t>
+              <a:t>Games </a:t>
+            </a:r>
+            <a:r>
+              <a:rPr lang="en-GB"/>
+              <a:t>Developers  (3rd </a:t>
+            </a:r>
+            <a:r>
+              <a:rPr lang="en-GB" dirty="0"/>
+              <a:t>Thursday of the month)</a:t>
             </a:r>
           </a:p>
           <a:p>
